--- a/GAME2005_A3_LeTrung_ShuDeng/_Assignment Video Start.pptx
+++ b/GAME2005_A3_LeTrung_ShuDeng/_Assignment Video Start.pptx
@@ -5,15 +5,13 @@
     <p:sldMasterId id="2147483648" r:id="rId1"/>
   </p:sldMasterIdLst>
   <p:notesMasterIdLst>
-    <p:notesMasterId r:id="rId5"/>
+    <p:notesMasterId r:id="rId3"/>
   </p:notesMasterIdLst>
   <p:handoutMasterIdLst>
-    <p:handoutMasterId r:id="rId6"/>
+    <p:handoutMasterId r:id="rId4"/>
   </p:handoutMasterIdLst>
   <p:sldIdLst>
     <p:sldId id="257" r:id="rId2"/>
-    <p:sldId id="308" r:id="rId3"/>
-    <p:sldId id="307" r:id="rId4"/>
   </p:sldIdLst>
   <p:sldSz cx="9144000" cy="6858000" type="screen4x3"/>
   <p:notesSz cx="6858000" cy="9144000"/>
@@ -297,7 +295,7 @@
               <a:pPr>
                 <a:defRPr/>
               </a:pPr>
-              <a:t>10/25/2020</a:t>
+              <a:t>11/30/2020</a:t>
             </a:fld>
             <a:endParaRPr lang="en-US" dirty="0"/>
           </a:p>
@@ -2704,7 +2702,7 @@
         <p:spPr>
           <a:xfrm>
             <a:off x="1828800" y="5181952"/>
-            <a:ext cx="6893890" cy="1200329"/>
+            <a:ext cx="6893890" cy="1569660"/>
           </a:xfrm>
           <a:prstGeom prst="rect">
             <a:avLst/>
@@ -2728,524 +2726,40 @@
               <a:t>	Assignment </a:t>
             </a:r>
             <a:r>
+              <a:rPr lang="en-US" dirty="0"/>
+              <a:t>3</a:t>
+            </a:r>
+            <a:r>
               <a:rPr lang="en-US" dirty="0" smtClean="0"/>
-              <a:t>2 </a:t>
+              <a:t> </a:t>
             </a:r>
             <a:r>
               <a:rPr lang="en-US" dirty="0"/>
               <a:t>- </a:t>
             </a:r>
             <a:r>
+              <a:rPr lang="en-US" b="1" dirty="0"/>
+              <a:t>2D Collision Detection and </a:t>
+            </a:r>
+            <a:r>
+              <a:rPr lang="en-US" b="1" dirty="0" smtClean="0"/>
+              <a:t>			Response</a:t>
+            </a:r>
+            <a:r>
+              <a:rPr lang="en-US" dirty="0" smtClean="0"/>
+              <a:t> </a:t>
+            </a:r>
+            <a:r>
               <a:rPr lang="en-US" dirty="0"/>
-              <a:t>Projectile Motion, Circular Motion, Free body diagrams </a:t>
-            </a:r>
-            <a:r>
-              <a:rPr lang="en-US" dirty="0" smtClean="0"/>
-              <a:t>and Newton's </a:t>
-            </a:r>
-            <a:r>
+              <a:t/>
+            </a:r>
+            <a:br>
               <a:rPr lang="en-US" dirty="0"/>
-              <a:t>Laws</a:t>
-            </a:r>
+            </a:br>
             <a:endParaRPr lang="en-US" dirty="0"/>
           </a:p>
         </p:txBody>
       </p:sp>
-    </p:spTree>
-  </p:cSld>
-  <p:clrMapOvr>
-    <a:masterClrMapping/>
-  </p:clrMapOvr>
-</p:sld>
-</file>
-
-<file path=ppt/slides/slide2.xml><?xml version="1.0" encoding="utf-8"?>
-<p:sld xmlns:a="http://schemas.openxmlformats.org/drawingml/2006/main" xmlns:r="http://schemas.openxmlformats.org/officeDocument/2006/relationships" xmlns:p="http://schemas.openxmlformats.org/presentationml/2006/main">
-  <p:cSld>
-    <p:spTree>
-      <p:nvGrpSpPr>
-        <p:cNvPr id="1" name=""/>
-        <p:cNvGrpSpPr/>
-        <p:nvPr/>
-      </p:nvGrpSpPr>
-      <p:grpSpPr>
-        <a:xfrm>
-          <a:off x="0" y="0"/>
-          <a:ext cx="0" cy="0"/>
-          <a:chOff x="0" y="0"/>
-          <a:chExt cx="0" cy="0"/>
-        </a:xfrm>
-      </p:grpSpPr>
-      <p:sp>
-        <p:nvSpPr>
-          <p:cNvPr id="6145" name="Title 1">
-            <a:extLst>
-              <a:ext uri="{FF2B5EF4-FFF2-40B4-BE49-F238E27FC236}">
-                <a16:creationId xmlns:a16="http://schemas.microsoft.com/office/drawing/2014/main" id="{2D3FD215-2CA8-0344-A7DB-7631BF4C9E21}"/>
-              </a:ext>
-            </a:extLst>
-          </p:cNvPr>
-          <p:cNvSpPr>
-            <a:spLocks noGrp="1"/>
-          </p:cNvSpPr>
-          <p:nvPr>
-            <p:ph type="title"/>
-          </p:nvPr>
-        </p:nvSpPr>
-        <p:spPr/>
-        <p:txBody>
-          <a:bodyPr/>
-          <a:lstStyle/>
-          <a:p>
-            <a:r>
-              <a:rPr lang="en-CA" altLang="en-US" dirty="0">
-                <a:solidFill>
-                  <a:schemeClr val="bg1"/>
-                </a:solidFill>
-                <a:latin typeface="Helvetica Neue" panose="02000503000000020004" pitchFamily="2" charset="0"/>
-                <a:ea typeface="Helvetica Neue" panose="02000503000000020004" pitchFamily="2" charset="0"/>
-                <a:cs typeface="Helvetica Neue" panose="02000503000000020004" pitchFamily="2" charset="0"/>
-              </a:rPr>
-              <a:t>GAME 2005 - Game Physics</a:t>
-            </a:r>
-            <a:endParaRPr lang="en-US" altLang="en-US" dirty="0">
-              <a:solidFill>
-                <a:schemeClr val="bg1"/>
-              </a:solidFill>
-              <a:latin typeface="Helvetica Neue" panose="02000503000000020004" pitchFamily="2" charset="0"/>
-              <a:ea typeface="Helvetica Neue" panose="02000503000000020004" pitchFamily="2" charset="0"/>
-              <a:cs typeface="Helvetica Neue" panose="02000503000000020004" pitchFamily="2" charset="0"/>
-            </a:endParaRPr>
-          </a:p>
-        </p:txBody>
-      </p:sp>
-      <p:pic>
-        <p:nvPicPr>
-          <p:cNvPr id="6" name="Picture 5" descr="A person wearing glasses and smiling at the camera&#10;&#10;Description automatically generated">
-            <a:extLst>
-              <a:ext uri="{FF2B5EF4-FFF2-40B4-BE49-F238E27FC236}">
-                <a16:creationId xmlns:a16="http://schemas.microsoft.com/office/drawing/2014/main" id="{66A66611-B587-4C4F-8F34-D8D10B5F3D2B}"/>
-              </a:ext>
-            </a:extLst>
-          </p:cNvPr>
-          <p:cNvPicPr>
-            <a:picLocks noChangeAspect="1"/>
-          </p:cNvPicPr>
-          <p:nvPr/>
-        </p:nvPicPr>
-        <p:blipFill>
-          <a:blip r:embed="rId2">
-            <a:extLst>
-              <a:ext uri="{28A0092B-C50C-407E-A947-70E740481C1C}">
-                <a14:useLocalDpi xmlns:a14="http://schemas.microsoft.com/office/drawing/2010/main" val="0"/>
-              </a:ext>
-            </a:extLst>
-          </a:blip>
-          <a:stretch>
-            <a:fillRect/>
-          </a:stretch>
-        </p:blipFill>
-        <p:spPr>
-          <a:xfrm>
-            <a:off x="3498911" y="1240955"/>
-            <a:ext cx="2701870" cy="2721884"/>
-          </a:xfrm>
-          <a:prstGeom prst="rect">
-            <a:avLst/>
-          </a:prstGeom>
-        </p:spPr>
-      </p:pic>
-      <p:sp>
-        <p:nvSpPr>
-          <p:cNvPr id="11" name="TextBox 10">
-            <a:extLst>
-              <a:ext uri="{FF2B5EF4-FFF2-40B4-BE49-F238E27FC236}">
-                <a16:creationId xmlns:a16="http://schemas.microsoft.com/office/drawing/2014/main" id="{8D1E7213-B44D-44EA-8398-C4E8BBF76082}"/>
-              </a:ext>
-            </a:extLst>
-          </p:cNvPr>
-          <p:cNvSpPr txBox="1"/>
-          <p:nvPr/>
-        </p:nvSpPr>
-        <p:spPr>
-          <a:xfrm>
-            <a:off x="3498911" y="4176800"/>
-            <a:ext cx="3235181" cy="830997"/>
-          </a:xfrm>
-          <a:prstGeom prst="rect">
-            <a:avLst/>
-          </a:prstGeom>
-          <a:noFill/>
-        </p:spPr>
-        <p:txBody>
-          <a:bodyPr wrap="none" rtlCol="0">
-            <a:spAutoFit/>
-          </a:bodyPr>
-          <a:lstStyle/>
-          <a:p>
-            <a:r>
-              <a:rPr lang="en-US" dirty="0"/>
-              <a:t>Name: Shu Deng (Mike)</a:t>
-            </a:r>
-          </a:p>
-          <a:p>
-            <a:r>
-              <a:rPr lang="en-US" dirty="0"/>
-              <a:t>ID: 101260645</a:t>
-            </a:r>
-          </a:p>
-        </p:txBody>
-      </p:sp>
-      <p:sp>
-        <p:nvSpPr>
-          <p:cNvPr id="12" name="TextBox 11">
-            <a:extLst>
-              <a:ext uri="{FF2B5EF4-FFF2-40B4-BE49-F238E27FC236}">
-                <a16:creationId xmlns:a16="http://schemas.microsoft.com/office/drawing/2014/main" id="{7E7E5FC5-5368-4C10-9A06-6E74EB508E81}"/>
-              </a:ext>
-            </a:extLst>
-          </p:cNvPr>
-          <p:cNvSpPr txBox="1"/>
-          <p:nvPr/>
-        </p:nvSpPr>
-        <p:spPr>
-          <a:xfrm>
-            <a:off x="1828800" y="5181952"/>
-            <a:ext cx="6893890" cy="830997"/>
-          </a:xfrm>
-          <a:prstGeom prst="rect">
-            <a:avLst/>
-          </a:prstGeom>
-          <a:noFill/>
-        </p:spPr>
-        <p:txBody>
-          <a:bodyPr wrap="square" rtlCol="0">
-            <a:spAutoFit/>
-          </a:bodyPr>
-          <a:lstStyle/>
-          <a:p>
-            <a:r>
-              <a:rPr lang="en-US" dirty="0"/>
-              <a:t>Assignment:</a:t>
-            </a:r>
-          </a:p>
-          <a:p>
-            <a:r>
-              <a:rPr lang="en-US" dirty="0"/>
-              <a:t>	Lab 2</a:t>
-            </a:r>
-          </a:p>
-        </p:txBody>
-      </p:sp>
-    </p:spTree>
-    <p:extLst>
-      <p:ext uri="{BB962C8B-B14F-4D97-AF65-F5344CB8AC3E}">
-        <p14:creationId xmlns:p14="http://schemas.microsoft.com/office/powerpoint/2010/main" val="1730319392"/>
-      </p:ext>
-    </p:extLst>
-  </p:cSld>
-  <p:clrMapOvr>
-    <a:masterClrMapping/>
-  </p:clrMapOvr>
-</p:sld>
-</file>
-
-<file path=ppt/slides/slide3.xml><?xml version="1.0" encoding="utf-8"?>
-<p:sld xmlns:a="http://schemas.openxmlformats.org/drawingml/2006/main" xmlns:r="http://schemas.openxmlformats.org/officeDocument/2006/relationships" xmlns:p="http://schemas.openxmlformats.org/presentationml/2006/main">
-  <p:cSld>
-    <p:spTree>
-      <p:nvGrpSpPr>
-        <p:cNvPr id="1" name=""/>
-        <p:cNvGrpSpPr/>
-        <p:nvPr/>
-      </p:nvGrpSpPr>
-      <p:grpSpPr>
-        <a:xfrm>
-          <a:off x="0" y="0"/>
-          <a:ext cx="0" cy="0"/>
-          <a:chOff x="0" y="0"/>
-          <a:chExt cx="0" cy="0"/>
-        </a:xfrm>
-      </p:grpSpPr>
-      <p:sp>
-        <p:nvSpPr>
-          <p:cNvPr id="11266" name="Title 1">
-            <a:extLst>
-              <a:ext uri="{FF2B5EF4-FFF2-40B4-BE49-F238E27FC236}">
-                <a16:creationId xmlns:a16="http://schemas.microsoft.com/office/drawing/2014/main" id="{1C209726-3344-4B73-A07D-43EADCA886E1}"/>
-              </a:ext>
-            </a:extLst>
-          </p:cNvPr>
-          <p:cNvSpPr>
-            <a:spLocks noGrp="1" noChangeArrowheads="1"/>
-          </p:cNvSpPr>
-          <p:nvPr>
-            <p:ph type="title"/>
-          </p:nvPr>
-        </p:nvSpPr>
-        <p:spPr/>
-        <p:txBody>
-          <a:bodyPr>
-            <a:normAutofit/>
-          </a:bodyPr>
-          <a:lstStyle/>
-          <a:p>
-            <a:r>
-              <a:rPr lang="en-CA" altLang="en-US" dirty="0">
-                <a:latin typeface="Helvetica Neue"/>
-                <a:ea typeface="Helvetica Neue"/>
-                <a:cs typeface="Helvetica Neue"/>
-              </a:rPr>
-              <a:t>Assignment Videos (continued)</a:t>
-            </a:r>
-          </a:p>
-        </p:txBody>
-      </p:sp>
-      <p:sp>
-        <p:nvSpPr>
-          <p:cNvPr id="3" name="Content Placeholder 2">
-            <a:extLst>
-              <a:ext uri="{FF2B5EF4-FFF2-40B4-BE49-F238E27FC236}">
-                <a16:creationId xmlns:a16="http://schemas.microsoft.com/office/drawing/2014/main" id="{1C89E89E-20F5-4E9E-96DF-803333808B4D}"/>
-              </a:ext>
-            </a:extLst>
-          </p:cNvPr>
-          <p:cNvSpPr>
-            <a:spLocks noGrp="1"/>
-          </p:cNvSpPr>
-          <p:nvPr>
-            <p:ph idx="1"/>
-          </p:nvPr>
-        </p:nvSpPr>
-        <p:spPr>
-          <a:xfrm>
-            <a:off x="1151466" y="1066800"/>
-            <a:ext cx="7363883" cy="5426073"/>
-          </a:xfrm>
-        </p:spPr>
-        <p:txBody>
-          <a:bodyPr>
-            <a:normAutofit fontScale="92500" lnSpcReduction="10000"/>
-          </a:bodyPr>
-          <a:lstStyle/>
-          <a:p>
-            <a:pPr>
-              <a:defRPr/>
-            </a:pPr>
-            <a:r>
-              <a:rPr lang="en-US" dirty="0"/>
-              <a:t>You must also include a short PowerPoint (or Google Slides) Slide Deck that includes a </a:t>
-            </a:r>
-            <a:r>
-              <a:rPr lang="en-US" b="1" dirty="0"/>
-              <a:t>single slide </a:t>
-            </a:r>
-            <a:r>
-              <a:rPr lang="en-US" dirty="0"/>
-              <a:t>to start your video </a:t>
-            </a:r>
-          </a:p>
-          <a:p>
-            <a:pPr lvl="1">
-              <a:defRPr/>
-            </a:pPr>
-            <a:endParaRPr lang="en-US" dirty="0"/>
-          </a:p>
-          <a:p>
-            <a:pPr lvl="1">
-              <a:defRPr/>
-            </a:pPr>
-            <a:r>
-              <a:rPr lang="en-US" dirty="0"/>
-              <a:t>the first (and only) Slide of your Slide Deck must include a </a:t>
-            </a:r>
-            <a:r>
-              <a:rPr lang="en-US" b="1" dirty="0"/>
-              <a:t>current image of you and your partner</a:t>
-            </a:r>
-            <a:r>
-              <a:rPr lang="en-US" dirty="0"/>
-              <a:t> (no avatars allowed) that is displayed appropriately on the page. You must also include your Full Names, Student IDs, the Course Code, Course Name, and your Assignment information. </a:t>
-            </a:r>
-          </a:p>
-          <a:p>
-            <a:pPr lvl="1">
-              <a:defRPr/>
-            </a:pPr>
-            <a:endParaRPr lang="en-US" dirty="0"/>
-          </a:p>
-          <a:p>
-            <a:pPr lvl="1">
-              <a:defRPr/>
-            </a:pPr>
-            <a:r>
-              <a:rPr lang="en-US" dirty="0"/>
-              <a:t>Each group member will be required to present</a:t>
-            </a:r>
-          </a:p>
-          <a:p>
-            <a:pPr lvl="1">
-              <a:defRPr/>
-            </a:pPr>
-            <a:endParaRPr lang="en-US" dirty="0"/>
-          </a:p>
-          <a:p>
-            <a:pPr lvl="1">
-              <a:defRPr/>
-            </a:pPr>
-            <a:r>
-              <a:rPr lang="en-US" dirty="0"/>
-              <a:t>You will demonstrate your application’s functionality.</a:t>
-            </a:r>
-          </a:p>
-          <a:p>
-            <a:pPr lvl="1">
-              <a:defRPr/>
-            </a:pPr>
-            <a:endParaRPr lang="en-US" dirty="0"/>
-          </a:p>
-          <a:p>
-            <a:pPr lvl="1">
-              <a:defRPr/>
-            </a:pPr>
-            <a:r>
-              <a:rPr lang="en-US" dirty="0"/>
-              <a:t>You will explain your application’s code.</a:t>
-            </a:r>
-          </a:p>
-          <a:p>
-            <a:pPr lvl="1">
-              <a:defRPr/>
-            </a:pPr>
-            <a:endParaRPr lang="en-US" dirty="0"/>
-          </a:p>
-          <a:p>
-            <a:pPr lvl="1">
-              <a:defRPr/>
-            </a:pPr>
-            <a:r>
-              <a:rPr lang="en-US" dirty="0"/>
-              <a:t>Sound for your Video must at an appropriate level so that your voices may be </a:t>
-            </a:r>
-            <a:r>
-              <a:rPr lang="en-US" b="1" dirty="0"/>
-              <a:t>clearly heard</a:t>
-            </a:r>
-            <a:r>
-              <a:rPr lang="en-US" dirty="0"/>
-              <a:t>. </a:t>
-            </a:r>
-          </a:p>
-          <a:p>
-            <a:pPr lvl="1">
-              <a:defRPr/>
-            </a:pPr>
-            <a:endParaRPr lang="en-US" dirty="0"/>
-          </a:p>
-          <a:p>
-            <a:pPr lvl="1">
-              <a:defRPr/>
-            </a:pPr>
-            <a:r>
-              <a:rPr lang="en-US" dirty="0"/>
-              <a:t>Your Screen and app UI should also be </a:t>
-            </a:r>
-            <a:r>
-              <a:rPr lang="en-US" b="1" dirty="0"/>
-              <a:t>clearly visible</a:t>
-            </a:r>
-            <a:r>
-              <a:rPr lang="en-US" dirty="0"/>
-              <a:t>.</a:t>
-            </a:r>
-          </a:p>
-          <a:p>
-            <a:pPr lvl="1">
-              <a:defRPr/>
-            </a:pPr>
-            <a:endParaRPr lang="en-US" dirty="0"/>
-          </a:p>
-          <a:p>
-            <a:pPr lvl="1">
-              <a:defRPr/>
-            </a:pPr>
-            <a:r>
-              <a:rPr lang="en-US" dirty="0"/>
-              <a:t>Your Short Video should run </a:t>
-            </a:r>
-            <a:r>
-              <a:rPr lang="en-US" b="1" dirty="0"/>
-              <a:t>no more than 5 minutes</a:t>
-            </a:r>
-          </a:p>
-          <a:p>
-            <a:pPr>
-              <a:defRPr/>
-            </a:pPr>
-            <a:endParaRPr lang="en-CA" dirty="0"/>
-          </a:p>
-        </p:txBody>
-      </p:sp>
-      <p:pic>
-        <p:nvPicPr>
-          <p:cNvPr id="11268" name="Picture 2" descr="OBS">
-            <a:extLst>
-              <a:ext uri="{FF2B5EF4-FFF2-40B4-BE49-F238E27FC236}">
-                <a16:creationId xmlns:a16="http://schemas.microsoft.com/office/drawing/2014/main" id="{ED27176B-F52E-4A6E-95BB-67506A1D7686}"/>
-              </a:ext>
-            </a:extLst>
-          </p:cNvPr>
-          <p:cNvPicPr>
-            <a:picLocks noChangeAspect="1" noChangeArrowheads="1"/>
-          </p:cNvPicPr>
-          <p:nvPr/>
-        </p:nvPicPr>
-        <p:blipFill>
-          <a:blip r:embed="rId2" cstate="hqprint">
-            <a:extLst>
-              <a:ext uri="{28A0092B-C50C-407E-A947-70E740481C1C}">
-                <a14:useLocalDpi xmlns:a14="http://schemas.microsoft.com/office/drawing/2010/main" val="0"/>
-              </a:ext>
-            </a:extLst>
-          </a:blip>
-          <a:srcRect/>
-          <a:stretch>
-            <a:fillRect/>
-          </a:stretch>
-        </p:blipFill>
-        <p:spPr bwMode="auto">
-          <a:xfrm>
-            <a:off x="228600" y="1295400"/>
-            <a:ext cx="685800" cy="685800"/>
-          </a:xfrm>
-          <a:prstGeom prst="rect">
-            <a:avLst/>
-          </a:prstGeom>
-          <a:noFill/>
-          <a:ln>
-            <a:noFill/>
-          </a:ln>
-          <a:extLst>
-            <a:ext uri="{909E8E84-426E-40DD-AFC4-6F175D3DCCD1}">
-              <a14:hiddenFill xmlns:a14="http://schemas.microsoft.com/office/drawing/2010/main">
-                <a:solidFill>
-                  <a:srgbClr val="FFFFFF"/>
-                </a:solidFill>
-              </a14:hiddenFill>
-            </a:ext>
-            <a:ext uri="{91240B29-F687-4F45-9708-019B960494DF}">
-              <a14:hiddenLine xmlns:a14="http://schemas.microsoft.com/office/drawing/2010/main" w="9525">
-                <a:solidFill>
-                  <a:srgbClr val="000000"/>
-                </a:solidFill>
-                <a:miter lim="800000"/>
-                <a:headEnd/>
-                <a:tailEnd/>
-              </a14:hiddenLine>
-            </a:ext>
-          </a:extLst>
-        </p:spPr>
-      </p:pic>
     </p:spTree>
   </p:cSld>
   <p:clrMapOvr>
